--- a/Klickzaehler/Klickzaehler.pptx
+++ b/Klickzaehler/Klickzaehler.pptx
@@ -201,7 +201,7 @@
           <a:p>
             <a:fld id="{DD7A25D8-F173-4133-85F8-CB962D678EB5}" type="datetimeFigureOut">
               <a:rPr lang="de-DE" smtClean="0"/>
-              <a:t>09.12.2019</a:t>
+              <a:t>30.04.2020</a:t>
             </a:fld>
             <a:endParaRPr lang="de-DE"/>
           </a:p>
@@ -599,7 +599,7 @@
           <a:p>
             <a:fld id="{FC9269F9-6F79-4414-A84E-D81C6C443C37}" type="datetimeFigureOut">
               <a:rPr lang="de-DE" smtClean="0"/>
-              <a:t>09.12.2019</a:t>
+              <a:t>30.04.2020</a:t>
             </a:fld>
             <a:endParaRPr lang="de-DE"/>
           </a:p>
@@ -1703,7 +1703,7 @@
           <a:p>
             <a:fld id="{FC9269F9-6F79-4414-A84E-D81C6C443C37}" type="datetimeFigureOut">
               <a:rPr lang="de-DE" smtClean="0"/>
-              <a:t>09.12.2019</a:t>
+              <a:t>30.04.2020</a:t>
             </a:fld>
             <a:endParaRPr lang="de-DE"/>
           </a:p>
@@ -2111,7 +2111,7 @@
           <a:p>
             <a:fld id="{FC9269F9-6F79-4414-A84E-D81C6C443C37}" type="datetimeFigureOut">
               <a:rPr lang="de-DE" smtClean="0"/>
-              <a:t>09.12.2019</a:t>
+              <a:t>30.04.2020</a:t>
             </a:fld>
             <a:endParaRPr lang="de-DE"/>
           </a:p>
@@ -2910,7 +2910,7 @@
           <a:p>
             <a:fld id="{FC9269F9-6F79-4414-A84E-D81C6C443C37}" type="datetimeFigureOut">
               <a:rPr lang="de-DE" smtClean="0"/>
-              <a:t>09.12.2019</a:t>
+              <a:t>30.04.2020</a:t>
             </a:fld>
             <a:endParaRPr lang="de-DE"/>
           </a:p>
@@ -3133,7 +3133,7 @@
           <a:p>
             <a:fld id="{FC9269F9-6F79-4414-A84E-D81C6C443C37}" type="datetimeFigureOut">
               <a:rPr lang="de-DE" smtClean="0"/>
-              <a:t>09.12.2019</a:t>
+              <a:t>30.04.2020</a:t>
             </a:fld>
             <a:endParaRPr lang="de-DE"/>
           </a:p>
@@ -3346,7 +3346,7 @@
           <a:p>
             <a:fld id="{FC9269F9-6F79-4414-A84E-D81C6C443C37}" type="datetimeFigureOut">
               <a:rPr lang="de-DE" smtClean="0"/>
-              <a:t>09.12.2019</a:t>
+              <a:t>30.04.2020</a:t>
             </a:fld>
             <a:endParaRPr lang="de-DE"/>
           </a:p>
@@ -4019,6 +4019,42 @@
           </a:stretch>
         </p:blipFill>
         <p:spPr>
+          <a:prstGeom prst="rect">
+            <a:avLst/>
+          </a:prstGeom>
+        </p:spPr>
+      </p:pic>
+      <p:pic>
+        <p:nvPicPr>
+          <p:cNvPr id="8" name="Grafik 7">
+            <a:extLst>
+              <a:ext uri="{FF2B5EF4-FFF2-40B4-BE49-F238E27FC236}">
+                <a16:creationId xmlns:a16="http://schemas.microsoft.com/office/drawing/2014/main" id="{EDE18F4F-E111-4F95-803A-F824B9705412}"/>
+              </a:ext>
+            </a:extLst>
+          </p:cNvPr>
+          <p:cNvPicPr>
+            <a:picLocks noChangeAspect="1"/>
+          </p:cNvPicPr>
+          <p:nvPr/>
+        </p:nvPicPr>
+        <p:blipFill>
+          <a:blip r:embed="rId3" cstate="print">
+            <a:extLst>
+              <a:ext uri="{28A0092B-C50C-407E-A947-70E740481C1C}">
+                <a14:useLocalDpi xmlns:a14="http://schemas.microsoft.com/office/drawing/2010/main" val="0"/>
+              </a:ext>
+            </a:extLst>
+          </a:blip>
+          <a:stretch>
+            <a:fillRect/>
+          </a:stretch>
+        </p:blipFill>
+        <p:spPr>
+          <a:xfrm rot="1825971">
+            <a:off x="4604085" y="2883620"/>
+            <a:ext cx="1755630" cy="1099772"/>
+          </a:xfrm>
           <a:prstGeom prst="rect">
             <a:avLst/>
           </a:prstGeom>
